--- a/ppt/Docker.pptx
+++ b/ppt/Docker.pptx
@@ -28,8 +28,8 @@
     <p:sldId id="364" r:id="rId16"/>
     <p:sldId id="365" r:id="rId17"/>
     <p:sldId id="366" r:id="rId18"/>
-    <p:sldId id="370" r:id="rId19"/>
-    <p:sldId id="367" r:id="rId20"/>
+    <p:sldId id="367" r:id="rId19"/>
+    <p:sldId id="370" r:id="rId20"/>
     <p:sldId id="368" r:id="rId21"/>
     <p:sldId id="369" r:id="rId22"/>
     <p:sldId id="288" r:id="rId23"/>
@@ -4832,6 +4832,141 @@
           <p:cNvPr id="2" name="Titre 1">
             <a:extLst>
               <a:ext uri="{FF2B5EF4-FFF2-40B4-BE49-F238E27FC236}">
+                <a16:creationId xmlns:a16="http://schemas.microsoft.com/office/drawing/2014/main" id="{4F38EB0A-9790-249C-6A64-5B67121F112C}"/>
+              </a:ext>
+            </a:extLst>
+          </p:cNvPr>
+          <p:cNvSpPr>
+            <a:spLocks noGrp="1"/>
+          </p:cNvSpPr>
+          <p:nvPr>
+            <p:ph type="title"/>
+          </p:nvPr>
+        </p:nvSpPr>
+        <p:spPr/>
+        <p:txBody>
+          <a:bodyPr/>
+          <a:lstStyle/>
+          <a:p>
+            <a:r>
+              <a:rPr lang="fr-FR" dirty="0"/>
+              <a:t>Syntaxe</a:t>
+            </a:r>
+          </a:p>
+        </p:txBody>
+      </p:sp>
+      <p:sp>
+        <p:nvSpPr>
+          <p:cNvPr id="3" name="Espace réservé du contenu 2">
+            <a:extLst>
+              <a:ext uri="{FF2B5EF4-FFF2-40B4-BE49-F238E27FC236}">
+                <a16:creationId xmlns:a16="http://schemas.microsoft.com/office/drawing/2014/main" id="{72B78C09-80AB-CD04-A72F-091533D1104C}"/>
+              </a:ext>
+            </a:extLst>
+          </p:cNvPr>
+          <p:cNvSpPr>
+            <a:spLocks noGrp="1"/>
+          </p:cNvSpPr>
+          <p:nvPr>
+            <p:ph idx="1"/>
+          </p:nvPr>
+        </p:nvSpPr>
+        <p:spPr/>
+        <p:txBody>
+          <a:bodyPr/>
+          <a:lstStyle/>
+          <a:p>
+            <a:r>
+              <a:rPr lang="fr-FR" dirty="0"/>
+              <a:t>FROM : Image de base</a:t>
+            </a:r>
+          </a:p>
+          <a:p>
+            <a:r>
+              <a:rPr lang="fr-FR" dirty="0"/>
+              <a:t>ENV : variables d’environnement</a:t>
+            </a:r>
+          </a:p>
+          <a:p>
+            <a:r>
+              <a:rPr lang="fr-FR" dirty="0"/>
+              <a:t>WORKDIR : répertoire par défaut (/app)</a:t>
+            </a:r>
+          </a:p>
+          <a:p>
+            <a:r>
+              <a:rPr lang="fr-FR" dirty="0"/>
+              <a:t>RUN : commande à exécuter lors du </a:t>
+            </a:r>
+            <a:r>
+              <a:rPr lang="fr-FR" dirty="0" err="1"/>
+              <a:t>build</a:t>
+            </a:r>
+            <a:endParaRPr lang="fr-FR" dirty="0"/>
+          </a:p>
+          <a:p>
+            <a:r>
+              <a:rPr lang="fr-FR" dirty="0"/>
+              <a:t>COPY : copie des fichiers lors du </a:t>
+            </a:r>
+            <a:r>
+              <a:rPr lang="fr-FR" dirty="0" err="1"/>
+              <a:t>build</a:t>
+            </a:r>
+            <a:endParaRPr lang="fr-FR" dirty="0"/>
+          </a:p>
+          <a:p>
+            <a:r>
+              <a:rPr lang="fr-FR" dirty="0"/>
+              <a:t>EXPOSE : port TCP à exposer</a:t>
+            </a:r>
+          </a:p>
+          <a:p>
+            <a:r>
+              <a:rPr lang="fr-FR" dirty="0"/>
+              <a:t>CMD commande de démarrage</a:t>
+            </a:r>
+          </a:p>
+          <a:p>
+            <a:endParaRPr lang="fr-FR" dirty="0"/>
+          </a:p>
+        </p:txBody>
+      </p:sp>
+    </p:spTree>
+    <p:extLst>
+      <p:ext uri="{BB962C8B-B14F-4D97-AF65-F5344CB8AC3E}">
+        <p14:creationId xmlns:p14="http://schemas.microsoft.com/office/powerpoint/2010/main" val="3234494997"/>
+      </p:ext>
+    </p:extLst>
+  </p:cSld>
+  <p:clrMapOvr>
+    <a:masterClrMapping/>
+  </p:clrMapOvr>
+</p:sld>
+</file>
+
+<file path=ppt/slides/slide19.xml><?xml version="1.0" encoding="utf-8"?>
+<p:sld xmlns:a="http://schemas.openxmlformats.org/drawingml/2006/main" xmlns:r="http://schemas.openxmlformats.org/officeDocument/2006/relationships" xmlns:p="http://schemas.openxmlformats.org/presentationml/2006/main">
+  <p:cSld>
+    <p:spTree>
+      <p:nvGrpSpPr>
+        <p:cNvPr id="1" name=""/>
+        <p:cNvGrpSpPr/>
+        <p:nvPr/>
+      </p:nvGrpSpPr>
+      <p:grpSpPr>
+        <a:xfrm>
+          <a:off x="0" y="0"/>
+          <a:ext cx="0" cy="0"/>
+          <a:chOff x="0" y="0"/>
+          <a:chExt cx="0" cy="0"/>
+        </a:xfrm>
+      </p:grpSpPr>
+      <p:sp>
+        <p:nvSpPr>
+          <p:cNvPr id="2" name="Titre 1">
+            <a:extLst>
+              <a:ext uri="{FF2B5EF4-FFF2-40B4-BE49-F238E27FC236}">
                 <a16:creationId xmlns:a16="http://schemas.microsoft.com/office/drawing/2014/main" id="{085BA505-8888-ACAE-75B0-5012D3B60740}"/>
               </a:ext>
             </a:extLst>
@@ -4928,141 +5063,6 @@
     <p:extLst>
       <p:ext uri="{BB962C8B-B14F-4D97-AF65-F5344CB8AC3E}">
         <p14:creationId xmlns:p14="http://schemas.microsoft.com/office/powerpoint/2010/main" val="4147530752"/>
-      </p:ext>
-    </p:extLst>
-  </p:cSld>
-  <p:clrMapOvr>
-    <a:masterClrMapping/>
-  </p:clrMapOvr>
-</p:sld>
-</file>
-
-<file path=ppt/slides/slide19.xml><?xml version="1.0" encoding="utf-8"?>
-<p:sld xmlns:a="http://schemas.openxmlformats.org/drawingml/2006/main" xmlns:r="http://schemas.openxmlformats.org/officeDocument/2006/relationships" xmlns:p="http://schemas.openxmlformats.org/presentationml/2006/main">
-  <p:cSld>
-    <p:spTree>
-      <p:nvGrpSpPr>
-        <p:cNvPr id="1" name=""/>
-        <p:cNvGrpSpPr/>
-        <p:nvPr/>
-      </p:nvGrpSpPr>
-      <p:grpSpPr>
-        <a:xfrm>
-          <a:off x="0" y="0"/>
-          <a:ext cx="0" cy="0"/>
-          <a:chOff x="0" y="0"/>
-          <a:chExt cx="0" cy="0"/>
-        </a:xfrm>
-      </p:grpSpPr>
-      <p:sp>
-        <p:nvSpPr>
-          <p:cNvPr id="2" name="Titre 1">
-            <a:extLst>
-              <a:ext uri="{FF2B5EF4-FFF2-40B4-BE49-F238E27FC236}">
-                <a16:creationId xmlns:a16="http://schemas.microsoft.com/office/drawing/2014/main" id="{4F38EB0A-9790-249C-6A64-5B67121F112C}"/>
-              </a:ext>
-            </a:extLst>
-          </p:cNvPr>
-          <p:cNvSpPr>
-            <a:spLocks noGrp="1"/>
-          </p:cNvSpPr>
-          <p:nvPr>
-            <p:ph type="title"/>
-          </p:nvPr>
-        </p:nvSpPr>
-        <p:spPr/>
-        <p:txBody>
-          <a:bodyPr/>
-          <a:lstStyle/>
-          <a:p>
-            <a:r>
-              <a:rPr lang="fr-FR" dirty="0"/>
-              <a:t>Syntaxe</a:t>
-            </a:r>
-          </a:p>
-        </p:txBody>
-      </p:sp>
-      <p:sp>
-        <p:nvSpPr>
-          <p:cNvPr id="3" name="Espace réservé du contenu 2">
-            <a:extLst>
-              <a:ext uri="{FF2B5EF4-FFF2-40B4-BE49-F238E27FC236}">
-                <a16:creationId xmlns:a16="http://schemas.microsoft.com/office/drawing/2014/main" id="{72B78C09-80AB-CD04-A72F-091533D1104C}"/>
-              </a:ext>
-            </a:extLst>
-          </p:cNvPr>
-          <p:cNvSpPr>
-            <a:spLocks noGrp="1"/>
-          </p:cNvSpPr>
-          <p:nvPr>
-            <p:ph idx="1"/>
-          </p:nvPr>
-        </p:nvSpPr>
-        <p:spPr/>
-        <p:txBody>
-          <a:bodyPr/>
-          <a:lstStyle/>
-          <a:p>
-            <a:r>
-              <a:rPr lang="fr-FR" dirty="0"/>
-              <a:t>FROM : Image de base</a:t>
-            </a:r>
-          </a:p>
-          <a:p>
-            <a:r>
-              <a:rPr lang="fr-FR" dirty="0"/>
-              <a:t>ENV : variables d’environnement</a:t>
-            </a:r>
-          </a:p>
-          <a:p>
-            <a:r>
-              <a:rPr lang="fr-FR" dirty="0"/>
-              <a:t>WORKDIR : répertoire par défaut (/app)</a:t>
-            </a:r>
-          </a:p>
-          <a:p>
-            <a:r>
-              <a:rPr lang="fr-FR" dirty="0"/>
-              <a:t>RUN : commande à exécuter lors du </a:t>
-            </a:r>
-            <a:r>
-              <a:rPr lang="fr-FR" dirty="0" err="1"/>
-              <a:t>build</a:t>
-            </a:r>
-            <a:endParaRPr lang="fr-FR" dirty="0"/>
-          </a:p>
-          <a:p>
-            <a:r>
-              <a:rPr lang="fr-FR" dirty="0"/>
-              <a:t>COPY : copie des fichiers lors du </a:t>
-            </a:r>
-            <a:r>
-              <a:rPr lang="fr-FR" dirty="0" err="1"/>
-              <a:t>build</a:t>
-            </a:r>
-            <a:endParaRPr lang="fr-FR" dirty="0"/>
-          </a:p>
-          <a:p>
-            <a:r>
-              <a:rPr lang="fr-FR" dirty="0"/>
-              <a:t>EXPOSE : port TCP à exposer</a:t>
-            </a:r>
-          </a:p>
-          <a:p>
-            <a:r>
-              <a:rPr lang="fr-FR" dirty="0"/>
-              <a:t>CMD commande de démarrage</a:t>
-            </a:r>
-          </a:p>
-          <a:p>
-            <a:endParaRPr lang="fr-FR" dirty="0"/>
-          </a:p>
-        </p:txBody>
-      </p:sp>
-    </p:spTree>
-    <p:extLst>
-      <p:ext uri="{BB962C8B-B14F-4D97-AF65-F5344CB8AC3E}">
-        <p14:creationId xmlns:p14="http://schemas.microsoft.com/office/powerpoint/2010/main" val="3234494997"/>
       </p:ext>
     </p:extLst>
   </p:cSld>
@@ -5948,7 +5948,7 @@
             </a:r>
             <a:r>
               <a:rPr lang="fr-FR" dirty="0" err="1"/>
-              <a:t>Adress</a:t>
+              <a:t>Address</a:t>
             </a:r>
             <a:r>
               <a:rPr lang="fr-FR" dirty="0"/>
